--- a/Notes/distributed ML systems scalability.pptx
+++ b/Notes/distributed ML systems scalability.pptx
@@ -5796,7 +5796,7 @@
               <a:t>accuracy</a:t>
             </a:r>
             <a:r>
-              <a:rPr lang="zh-CN" altLang="en-US" smtClean="0">
+              <a:rPr lang="zh-CN" altLang="en-US" dirty="0" smtClean="0">
                 <a:ea typeface="宋体" panose="02010600030101010101" pitchFamily="2" charset="-122"/>
               </a:rPr>
               <a:t>，相同时间机器更少</a:t>
@@ -5832,6 +5832,12 @@
                 <a:tab pos="8686800" algn="l"/>
               </a:tabLst>
             </a:pPr>
+            <a:r>
+              <a:rPr lang="en-US" altLang="zh-CN" smtClean="0">
+                <a:ea typeface="宋体" panose="02010600030101010101" pitchFamily="2" charset="-122"/>
+              </a:rPr>
+              <a:t>/</a:t>
+            </a:r>
             <a:endParaRPr lang="en-US" altLang="zh-CN" dirty="0" smtClean="0">
               <a:ea typeface="宋体" panose="02010600030101010101" pitchFamily="2" charset="-122"/>
             </a:endParaRPr>

--- a/Notes/distributed ML systems scalability.pptx
+++ b/Notes/distributed ML systems scalability.pptx
@@ -5832,12 +5832,6 @@
                 <a:tab pos="8686800" algn="l"/>
               </a:tabLst>
             </a:pPr>
-            <a:r>
-              <a:rPr lang="en-US" altLang="zh-CN" smtClean="0">
-                <a:ea typeface="宋体" panose="02010600030101010101" pitchFamily="2" charset="-122"/>
-              </a:rPr>
-              <a:t>/</a:t>
-            </a:r>
             <a:endParaRPr lang="en-US" altLang="zh-CN" dirty="0" smtClean="0">
               <a:ea typeface="宋体" panose="02010600030101010101" pitchFamily="2" charset="-122"/>
             </a:endParaRPr>

--- a/Notes/distributed ML systems scalability.pptx
+++ b/Notes/distributed ML systems scalability.pptx
@@ -5799,39 +5799,14 @@
               <a:rPr lang="zh-CN" altLang="en-US" dirty="0" smtClean="0">
                 <a:ea typeface="宋体" panose="02010600030101010101" pitchFamily="2" charset="-122"/>
               </a:rPr>
-              <a:t>，相同时间机器更少</a:t>
-            </a:r>
-            <a:endParaRPr lang="en-US" altLang="zh-CN" dirty="0" smtClean="0">
-              <a:ea typeface="宋体" panose="02010600030101010101" pitchFamily="2" charset="-122"/>
-            </a:endParaRPr>
-          </a:p>
-          <a:p>
-            <a:pPr marL="831850" lvl="1" indent="-323850">
-              <a:buSzPct val="45000"/>
-              <a:buFont typeface="Wingdings" panose="05000000000000000000" pitchFamily="2" charset="2"/>
-              <a:buChar char=""/>
-              <a:tabLst>
-                <a:tab pos="457200" algn="l"/>
-                <a:tab pos="914400" algn="l"/>
-                <a:tab pos="1371600" algn="l"/>
-                <a:tab pos="1828800" algn="l"/>
-                <a:tab pos="2286000" algn="l"/>
-                <a:tab pos="2743200" algn="l"/>
-                <a:tab pos="3200400" algn="l"/>
-                <a:tab pos="3657600" algn="l"/>
-                <a:tab pos="4114800" algn="l"/>
-                <a:tab pos="4572000" algn="l"/>
-                <a:tab pos="5029200" algn="l"/>
-                <a:tab pos="5486400" algn="l"/>
-                <a:tab pos="5943600" algn="l"/>
-                <a:tab pos="6400800" algn="l"/>
-                <a:tab pos="6858000" algn="l"/>
-                <a:tab pos="7315200" algn="l"/>
-                <a:tab pos="7772400" algn="l"/>
-                <a:tab pos="8229600" algn="l"/>
-                <a:tab pos="8686800" algn="l"/>
-              </a:tabLst>
-            </a:pPr>
+              <a:t>，相同时间机器</a:t>
+            </a:r>
+            <a:r>
+              <a:rPr lang="zh-CN" altLang="en-US" smtClean="0">
+                <a:ea typeface="宋体" panose="02010600030101010101" pitchFamily="2" charset="-122"/>
+              </a:rPr>
+              <a:t>更少</a:t>
+            </a:r>
             <a:endParaRPr lang="en-US" altLang="zh-CN" dirty="0" smtClean="0">
               <a:ea typeface="宋体" panose="02010600030101010101" pitchFamily="2" charset="-122"/>
             </a:endParaRPr>

--- a/Notes/distributed ML systems scalability.pptx
+++ b/Notes/distributed ML systems scalability.pptx
@@ -5,13 +5,15 @@
     <p:sldMasterId id="2147483648" r:id="rId1"/>
   </p:sldMasterIdLst>
   <p:notesMasterIdLst>
-    <p:notesMasterId r:id="rId6"/>
+    <p:notesMasterId r:id="rId8"/>
   </p:notesMasterIdLst>
   <p:sldIdLst>
     <p:sldId id="257" r:id="rId2"/>
     <p:sldId id="258" r:id="rId3"/>
     <p:sldId id="259" r:id="rId4"/>
     <p:sldId id="260" r:id="rId5"/>
+    <p:sldId id="262" r:id="rId6"/>
+    <p:sldId id="261" r:id="rId7"/>
   </p:sldIdLst>
   <p:sldSz cx="10080625" cy="7559675"/>
   <p:notesSz cx="7772400" cy="10058400"/>
@@ -193,6 +195,12 @@
           <p14:sldIdLst>
             <p14:sldId id="259"/>
             <p14:sldId id="260"/>
+            <p14:sldId id="262"/>
+          </p14:sldIdLst>
+        </p14:section>
+        <p14:section name="李沐-&gt;OSDI" id="{EAA402A6-0A12-794F-88B8-782758568252}">
+          <p14:sldIdLst>
+            <p14:sldId id="261"/>
           </p14:sldIdLst>
         </p14:section>
       </p14:sectionLst>
@@ -258,7 +266,7 @@
         <p:nvSpPr>
           <p:cNvPr id="2049" name="Rectangle 1"/>
           <p:cNvSpPr>
-            <a:spLocks noGrp="1" noChangeArrowheads="1"/>
+            <a:spLocks noGrp="1" noRot="1" noChangeAspect="1" noChangeArrowheads="1"/>
           </p:cNvSpPr>
           <p:nvPr>
             <p:ph type="sldImg"/>
@@ -917,7 +925,7 @@
         <p:nvSpPr>
           <p:cNvPr id="7169" name="Rectangle 1"/>
           <p:cNvSpPr txBox="1">
-            <a:spLocks noChangeArrowheads="1"/>
+            <a:spLocks noGrp="1" noRot="1" noChangeAspect="1" noChangeArrowheads="1"/>
           </p:cNvSpPr>
           <p:nvPr>
             <p:ph type="sldImg"/>
@@ -959,7 +967,7 @@
         <p:nvSpPr>
           <p:cNvPr id="7170" name="Rectangle 2"/>
           <p:cNvSpPr txBox="1">
-            <a:spLocks noChangeArrowheads="1"/>
+            <a:spLocks noGrp="1" noChangeArrowheads="1"/>
           </p:cNvSpPr>
           <p:nvPr>
             <p:ph type="body" idx="1"/>
@@ -1075,7 +1083,7 @@
         <p:nvSpPr>
           <p:cNvPr id="8193" name="Rectangle 1"/>
           <p:cNvSpPr txBox="1">
-            <a:spLocks noChangeArrowheads="1"/>
+            <a:spLocks noGrp="1" noRot="1" noChangeAspect="1" noChangeArrowheads="1"/>
           </p:cNvSpPr>
           <p:nvPr>
             <p:ph type="sldImg"/>
@@ -1117,7 +1125,7 @@
         <p:nvSpPr>
           <p:cNvPr id="8194" name="Rectangle 2"/>
           <p:cNvSpPr txBox="1">
-            <a:spLocks noChangeArrowheads="1"/>
+            <a:spLocks noGrp="1" noChangeArrowheads="1"/>
           </p:cNvSpPr>
           <p:nvPr>
             <p:ph type="body" idx="1"/>
@@ -1233,7 +1241,7 @@
         <p:nvSpPr>
           <p:cNvPr id="8193" name="Rectangle 1"/>
           <p:cNvSpPr txBox="1">
-            <a:spLocks noChangeArrowheads="1"/>
+            <a:spLocks noGrp="1" noRot="1" noChangeAspect="1" noChangeArrowheads="1"/>
           </p:cNvSpPr>
           <p:nvPr>
             <p:ph type="sldImg"/>
@@ -1275,7 +1283,7 @@
         <p:nvSpPr>
           <p:cNvPr id="8194" name="Rectangle 2"/>
           <p:cNvSpPr txBox="1">
-            <a:spLocks noChangeArrowheads="1"/>
+            <a:spLocks noGrp="1" noChangeArrowheads="1"/>
           </p:cNvSpPr>
           <p:nvPr>
             <p:ph type="body" idx="1"/>
@@ -5087,7 +5095,7 @@
   <p:timing>
     <p:tnLst>
       <p:par>
-        <p:cTn id="1" dur="indefinite" nodeType="tmRoot">
+        <p:cTn id="1" dur="indefinite" restart="never" nodeType="tmRoot">
           <p:childTnLst>
             <p:seq concurrent="1" nextAc="seek">
               <p:cTn id="2" dur="0" nodeType="mainSeq"/>
@@ -5255,7 +5263,7 @@
   <p:timing>
     <p:tnLst>
       <p:par>
-        <p:cTn id="1" dur="indefinite" nodeType="tmRoot">
+        <p:cTn id="1" dur="indefinite" restart="never" nodeType="tmRoot">
           <p:childTnLst>
             <p:seq concurrent="1" nextAc="seek">
               <p:cTn id="2" dur="0" nodeType="mainSeq"/>
@@ -5704,7 +5712,7 @@
               </a:tabLst>
             </a:pPr>
             <a:r>
-              <a:rPr lang="en-US" altLang="zh-CN" dirty="0" smtClean="0">
+              <a:rPr lang="en-US" altLang="zh-CN" dirty="0">
                 <a:ea typeface="宋体" panose="02010600030101010101" pitchFamily="2" charset="-122"/>
               </a:rPr>
               <a:t>Partition large models</a:t>
@@ -5738,7 +5746,7 @@
               </a:tabLst>
             </a:pPr>
             <a:r>
-              <a:rPr lang="en-US" altLang="zh-CN" dirty="0" smtClean="0">
+              <a:rPr lang="en-US" altLang="zh-CN" dirty="0">
                 <a:ea typeface="宋体" panose="02010600030101010101" pitchFamily="2" charset="-122"/>
               </a:rPr>
               <a:t>Batched parameter &amp; multi threads</a:t>
@@ -5772,7 +5780,7 @@
               </a:tabLst>
             </a:pPr>
             <a:r>
-              <a:rPr lang="en-US" altLang="zh-CN" dirty="0" smtClean="0">
+              <a:rPr lang="en-US" altLang="zh-CN" dirty="0">
                 <a:ea typeface="宋体" panose="02010600030101010101" pitchFamily="2" charset="-122"/>
               </a:rPr>
               <a:t>Asynchrony</a:t>
@@ -5781,32 +5789,117 @@
               <a:rPr lang="zh-CN" altLang="en-US" dirty="0">
                 <a:ea typeface="宋体" panose="02010600030101010101" pitchFamily="2" charset="-122"/>
               </a:rPr>
-              <a:t>提高</a:t>
+              <a:t>提高了</a:t>
+            </a:r>
+            <a:r>
+              <a:rPr lang="en-US" altLang="zh-CN" dirty="0">
+                <a:ea typeface="宋体" panose="02010600030101010101" pitchFamily="2" charset="-122"/>
+              </a:rPr>
+              <a:t>accuracy</a:t>
+            </a:r>
+            <a:r>
+              <a:rPr lang="zh-CN" altLang="en-US" dirty="0">
+                <a:ea typeface="宋体" panose="02010600030101010101" pitchFamily="2" charset="-122"/>
+              </a:rPr>
+              <a:t>，相同时间机器更</a:t>
             </a:r>
             <a:r>
               <a:rPr lang="zh-CN" altLang="en-US" dirty="0" smtClean="0">
                 <a:ea typeface="宋体" panose="02010600030101010101" pitchFamily="2" charset="-122"/>
               </a:rPr>
-              <a:t>了</a:t>
-            </a:r>
-            <a:r>
-              <a:rPr lang="en-US" altLang="zh-CN" dirty="0" smtClean="0">
-                <a:ea typeface="宋体" panose="02010600030101010101" pitchFamily="2" charset="-122"/>
-              </a:rPr>
-              <a:t>accuracy</a:t>
-            </a:r>
-            <a:r>
-              <a:rPr lang="zh-CN" altLang="en-US" dirty="0" smtClean="0">
-                <a:ea typeface="宋体" panose="02010600030101010101" pitchFamily="2" charset="-122"/>
-              </a:rPr>
-              <a:t>，相同时间机器</a:t>
-            </a:r>
-            <a:r>
-              <a:rPr lang="zh-CN" altLang="en-US" smtClean="0">
-                <a:ea typeface="宋体" panose="02010600030101010101" pitchFamily="2" charset="-122"/>
-              </a:rPr>
-              <a:t>更少</a:t>
-            </a:r>
+              <a:t>少</a:t>
+            </a:r>
+            <a:endParaRPr lang="en-US" altLang="zh-CN" dirty="0" smtClean="0">
+              <a:ea typeface="宋体" panose="02010600030101010101" pitchFamily="2" charset="-122"/>
+            </a:endParaRPr>
+          </a:p>
+          <a:p>
+            <a:pPr marL="431800" indent="-323850">
+              <a:buSzPct val="45000"/>
+              <a:buFont typeface="Wingdings" panose="05000000000000000000" pitchFamily="2" charset="2"/>
+              <a:buChar char=""/>
+              <a:tabLst>
+                <a:tab pos="457200" algn="l"/>
+                <a:tab pos="914400" algn="l"/>
+                <a:tab pos="1371600" algn="l"/>
+                <a:tab pos="1828800" algn="l"/>
+                <a:tab pos="2286000" algn="l"/>
+                <a:tab pos="2743200" algn="l"/>
+                <a:tab pos="3200400" algn="l"/>
+                <a:tab pos="3657600" algn="l"/>
+                <a:tab pos="4114800" algn="l"/>
+                <a:tab pos="4572000" algn="l"/>
+                <a:tab pos="5029200" algn="l"/>
+                <a:tab pos="5486400" algn="l"/>
+                <a:tab pos="5943600" algn="l"/>
+                <a:tab pos="6400800" algn="l"/>
+                <a:tab pos="6858000" algn="l"/>
+                <a:tab pos="7315200" algn="l"/>
+                <a:tab pos="7772400" algn="l"/>
+                <a:tab pos="8229600" algn="l"/>
+                <a:tab pos="8686800" algn="l"/>
+              </a:tabLst>
+            </a:pPr>
+            <a:endParaRPr lang="en-US" altLang="zh-CN" dirty="0">
+              <a:ea typeface="宋体" panose="02010600030101010101" pitchFamily="2" charset="-122"/>
+            </a:endParaRPr>
+          </a:p>
+          <a:p>
+            <a:pPr marL="831850" lvl="1" indent="-323850">
+              <a:buSzPct val="45000"/>
+              <a:buFont typeface="Wingdings" panose="05000000000000000000" pitchFamily="2" charset="2"/>
+              <a:buChar char=""/>
+              <a:tabLst>
+                <a:tab pos="457200" algn="l"/>
+                <a:tab pos="914400" algn="l"/>
+                <a:tab pos="1371600" algn="l"/>
+                <a:tab pos="1828800" algn="l"/>
+                <a:tab pos="2286000" algn="l"/>
+                <a:tab pos="2743200" algn="l"/>
+                <a:tab pos="3200400" algn="l"/>
+                <a:tab pos="3657600" algn="l"/>
+                <a:tab pos="4114800" algn="l"/>
+                <a:tab pos="4572000" algn="l"/>
+                <a:tab pos="5029200" algn="l"/>
+                <a:tab pos="5486400" algn="l"/>
+                <a:tab pos="5943600" algn="l"/>
+                <a:tab pos="6400800" algn="l"/>
+                <a:tab pos="6858000" algn="l"/>
+                <a:tab pos="7315200" algn="l"/>
+                <a:tab pos="7772400" algn="l"/>
+                <a:tab pos="8229600" algn="l"/>
+                <a:tab pos="8686800" algn="l"/>
+              </a:tabLst>
+            </a:pPr>
+            <a:endParaRPr lang="en-US" altLang="zh-CN" dirty="0" smtClean="0">
+              <a:ea typeface="宋体" panose="02010600030101010101" pitchFamily="2" charset="-122"/>
+            </a:endParaRPr>
+          </a:p>
+          <a:p>
+            <a:pPr marL="508000" lvl="1" indent="0">
+              <a:buSzPct val="45000"/>
+              <a:tabLst>
+                <a:tab pos="457200" algn="l"/>
+                <a:tab pos="914400" algn="l"/>
+                <a:tab pos="1371600" algn="l"/>
+                <a:tab pos="1828800" algn="l"/>
+                <a:tab pos="2286000" algn="l"/>
+                <a:tab pos="2743200" algn="l"/>
+                <a:tab pos="3200400" algn="l"/>
+                <a:tab pos="3657600" algn="l"/>
+                <a:tab pos="4114800" algn="l"/>
+                <a:tab pos="4572000" algn="l"/>
+                <a:tab pos="5029200" algn="l"/>
+                <a:tab pos="5486400" algn="l"/>
+                <a:tab pos="5943600" algn="l"/>
+                <a:tab pos="6400800" algn="l"/>
+                <a:tab pos="6858000" algn="l"/>
+                <a:tab pos="7315200" algn="l"/>
+                <a:tab pos="7772400" algn="l"/>
+                <a:tab pos="8229600" algn="l"/>
+                <a:tab pos="8686800" algn="l"/>
+              </a:tabLst>
+            </a:pPr>
             <a:endParaRPr lang="en-US" altLang="zh-CN" dirty="0" smtClean="0">
               <a:ea typeface="宋体" panose="02010600030101010101" pitchFamily="2" charset="-122"/>
             </a:endParaRPr>
@@ -5827,7 +5920,7 @@
   <p:timing>
     <p:tnLst>
       <p:par>
-        <p:cTn id="1" dur="indefinite" nodeType="tmRoot">
+        <p:cTn id="1" dur="indefinite" restart="never" nodeType="tmRoot">
           <p:childTnLst>
             <p:seq concurrent="1" nextAc="seek">
               <p:cTn id="2" dur="0" nodeType="mainSeq"/>
@@ -5851,6 +5944,298 @@
       </p:par>
     </p:tnLst>
   </p:timing>
+</p:sld>
+</file>
+
+<file path=ppt/slides/slide5.xml><?xml version="1.0" encoding="utf-8"?>
+<p:sld xmlns:a="http://schemas.openxmlformats.org/drawingml/2006/main" xmlns:r="http://schemas.openxmlformats.org/officeDocument/2006/relationships" xmlns:p="http://schemas.openxmlformats.org/presentationml/2006/main">
+  <p:cSld>
+    <p:spTree>
+      <p:nvGrpSpPr>
+        <p:cNvPr id="1" name=""/>
+        <p:cNvGrpSpPr/>
+        <p:nvPr/>
+      </p:nvGrpSpPr>
+      <p:grpSpPr>
+        <a:xfrm>
+          <a:off x="0" y="0"/>
+          <a:ext cx="0" cy="0"/>
+          <a:chOff x="0" y="0"/>
+          <a:chExt cx="0" cy="0"/>
+        </a:xfrm>
+      </p:grpSpPr>
+      <p:sp>
+        <p:nvSpPr>
+          <p:cNvPr id="3" name="Content Placeholder 2"/>
+          <p:cNvSpPr>
+            <a:spLocks noGrp="1"/>
+          </p:cNvSpPr>
+          <p:nvPr>
+            <p:ph idx="1"/>
+          </p:nvPr>
+        </p:nvSpPr>
+        <p:spPr>
+          <a:xfrm>
+            <a:off x="575816" y="179437"/>
+            <a:ext cx="9069387" cy="7200800"/>
+          </a:xfrm>
+        </p:spPr>
+        <p:txBody>
+          <a:bodyPr/>
+          <a:lstStyle/>
+          <a:p>
+            <a:pPr marL="431800" indent="-323850">
+              <a:buSzPct val="45000"/>
+              <a:buFont typeface="Wingdings" panose="05000000000000000000" pitchFamily="2" charset="2"/>
+              <a:buChar char=""/>
+              <a:tabLst>
+                <a:tab pos="457200" algn="l"/>
+                <a:tab pos="914400" algn="l"/>
+                <a:tab pos="1371600" algn="l"/>
+                <a:tab pos="1828800" algn="l"/>
+                <a:tab pos="2286000" algn="l"/>
+                <a:tab pos="2743200" algn="l"/>
+                <a:tab pos="3200400" algn="l"/>
+                <a:tab pos="3657600" algn="l"/>
+                <a:tab pos="4114800" algn="l"/>
+                <a:tab pos="4572000" algn="l"/>
+                <a:tab pos="5029200" algn="l"/>
+                <a:tab pos="5486400" algn="l"/>
+                <a:tab pos="5943600" algn="l"/>
+                <a:tab pos="6400800" algn="l"/>
+                <a:tab pos="6858000" algn="l"/>
+                <a:tab pos="7315200" algn="l"/>
+                <a:tab pos="7772400" algn="l"/>
+                <a:tab pos="8229600" algn="l"/>
+                <a:tab pos="8686800" algn="l"/>
+              </a:tabLst>
+            </a:pPr>
+            <a:r>
+              <a:rPr lang="en-US" altLang="zh-CN" dirty="0">
+                <a:ea typeface="宋体" panose="02010600030101010101" pitchFamily="2" charset="-122"/>
+              </a:rPr>
+              <a:t>Adam</a:t>
+            </a:r>
+          </a:p>
+          <a:p>
+            <a:pPr marL="831850" lvl="1" indent="-323850">
+              <a:buSzPct val="45000"/>
+              <a:buFont typeface="Wingdings" panose="05000000000000000000" pitchFamily="2" charset="2"/>
+              <a:buChar char=""/>
+              <a:tabLst>
+                <a:tab pos="457200" algn="l"/>
+                <a:tab pos="914400" algn="l"/>
+                <a:tab pos="1371600" algn="l"/>
+                <a:tab pos="1828800" algn="l"/>
+                <a:tab pos="2286000" algn="l"/>
+                <a:tab pos="2743200" algn="l"/>
+                <a:tab pos="3200400" algn="l"/>
+                <a:tab pos="3657600" algn="l"/>
+                <a:tab pos="4114800" algn="l"/>
+                <a:tab pos="4572000" algn="l"/>
+                <a:tab pos="5029200" algn="l"/>
+                <a:tab pos="5486400" algn="l"/>
+                <a:tab pos="5943600" algn="l"/>
+                <a:tab pos="6400800" algn="l"/>
+                <a:tab pos="6858000" algn="l"/>
+                <a:tab pos="7315200" algn="l"/>
+                <a:tab pos="7772400" algn="l"/>
+                <a:tab pos="8229600" algn="l"/>
+                <a:tab pos="8686800" algn="l"/>
+              </a:tabLst>
+            </a:pPr>
+            <a:r>
+              <a:rPr lang="en-US" altLang="zh-CN" dirty="0">
+                <a:ea typeface="宋体" panose="02010600030101010101" pitchFamily="2" charset="-122"/>
+              </a:rPr>
+              <a:t>Fast Data Serving</a:t>
+            </a:r>
+          </a:p>
+          <a:p>
+            <a:pPr marL="831850" lvl="1" indent="-323850">
+              <a:buSzPct val="45000"/>
+              <a:buFont typeface="Wingdings" panose="05000000000000000000" pitchFamily="2" charset="2"/>
+              <a:buChar char=""/>
+              <a:tabLst>
+                <a:tab pos="457200" algn="l"/>
+                <a:tab pos="914400" algn="l"/>
+                <a:tab pos="1371600" algn="l"/>
+                <a:tab pos="1828800" algn="l"/>
+                <a:tab pos="2286000" algn="l"/>
+                <a:tab pos="2743200" algn="l"/>
+                <a:tab pos="3200400" algn="l"/>
+                <a:tab pos="3657600" algn="l"/>
+                <a:tab pos="4114800" algn="l"/>
+                <a:tab pos="4572000" algn="l"/>
+                <a:tab pos="5029200" algn="l"/>
+                <a:tab pos="5486400" algn="l"/>
+                <a:tab pos="5943600" algn="l"/>
+                <a:tab pos="6400800" algn="l"/>
+                <a:tab pos="6858000" algn="l"/>
+                <a:tab pos="7315200" algn="l"/>
+                <a:tab pos="7772400" algn="l"/>
+                <a:tab pos="8229600" algn="l"/>
+                <a:tab pos="8686800" algn="l"/>
+              </a:tabLst>
+            </a:pPr>
+            <a:r>
+              <a:rPr lang="en-US" altLang="zh-CN" dirty="0">
+                <a:ea typeface="宋体" panose="02010600030101010101" pitchFamily="2" charset="-122"/>
+              </a:rPr>
+              <a:t>Model Training</a:t>
+            </a:r>
+          </a:p>
+          <a:p>
+            <a:pPr marL="831850" lvl="1" indent="-323850">
+              <a:buSzPct val="45000"/>
+              <a:buFont typeface="Wingdings" panose="05000000000000000000" pitchFamily="2" charset="2"/>
+              <a:buChar char=""/>
+              <a:tabLst>
+                <a:tab pos="457200" algn="l"/>
+                <a:tab pos="914400" algn="l"/>
+                <a:tab pos="1371600" algn="l"/>
+                <a:tab pos="1828800" algn="l"/>
+                <a:tab pos="2286000" algn="l"/>
+                <a:tab pos="2743200" algn="l"/>
+                <a:tab pos="3200400" algn="l"/>
+                <a:tab pos="3657600" algn="l"/>
+                <a:tab pos="4114800" algn="l"/>
+                <a:tab pos="4572000" algn="l"/>
+                <a:tab pos="5029200" algn="l"/>
+                <a:tab pos="5486400" algn="l"/>
+                <a:tab pos="5943600" algn="l"/>
+                <a:tab pos="6400800" algn="l"/>
+                <a:tab pos="6858000" algn="l"/>
+                <a:tab pos="7315200" algn="l"/>
+                <a:tab pos="7772400" algn="l"/>
+                <a:tab pos="8229600" algn="l"/>
+                <a:tab pos="8686800" algn="l"/>
+              </a:tabLst>
+            </a:pPr>
+            <a:r>
+              <a:rPr lang="en-US" altLang="zh-CN" dirty="0">
+                <a:ea typeface="宋体" panose="02010600030101010101" pitchFamily="2" charset="-122"/>
+              </a:rPr>
+              <a:t>Global Parameter Server</a:t>
+            </a:r>
+          </a:p>
+          <a:p>
+            <a:pPr marL="431800" indent="-323850">
+              <a:buSzPct val="45000"/>
+              <a:buFont typeface="Wingdings" panose="05000000000000000000" pitchFamily="2" charset="2"/>
+              <a:buChar char=""/>
+              <a:tabLst>
+                <a:tab pos="457200" algn="l"/>
+                <a:tab pos="914400" algn="l"/>
+                <a:tab pos="1371600" algn="l"/>
+                <a:tab pos="1828800" algn="l"/>
+                <a:tab pos="2286000" algn="l"/>
+                <a:tab pos="2743200" algn="l"/>
+                <a:tab pos="3200400" algn="l"/>
+                <a:tab pos="3657600" algn="l"/>
+                <a:tab pos="4114800" algn="l"/>
+                <a:tab pos="4572000" algn="l"/>
+                <a:tab pos="5029200" algn="l"/>
+                <a:tab pos="5486400" algn="l"/>
+                <a:tab pos="5943600" algn="l"/>
+                <a:tab pos="6400800" algn="l"/>
+                <a:tab pos="6858000" algn="l"/>
+                <a:tab pos="7315200" algn="l"/>
+                <a:tab pos="7772400" algn="l"/>
+                <a:tab pos="8229600" algn="l"/>
+                <a:tab pos="8686800" algn="l"/>
+              </a:tabLst>
+            </a:pPr>
+            <a:r>
+              <a:rPr lang="en-US" altLang="zh-CN" dirty="0" smtClean="0">
+                <a:ea typeface="宋体" panose="02010600030101010101" pitchFamily="2" charset="-122"/>
+              </a:rPr>
+              <a:t>Evaluation</a:t>
+            </a:r>
+            <a:endParaRPr lang="en-US" altLang="zh-CN" dirty="0">
+              <a:ea typeface="宋体" panose="02010600030101010101" pitchFamily="2" charset="-122"/>
+            </a:endParaRPr>
+          </a:p>
+        </p:txBody>
+      </p:sp>
+    </p:spTree>
+    <p:extLst>
+      <p:ext uri="{BB962C8B-B14F-4D97-AF65-F5344CB8AC3E}">
+        <p14:creationId xmlns:p14="http://schemas.microsoft.com/office/powerpoint/2010/main" val="641738616"/>
+      </p:ext>
+    </p:extLst>
+  </p:cSld>
+  <p:clrMapOvr>
+    <a:masterClrMapping/>
+  </p:clrMapOvr>
+</p:sld>
+</file>
+
+<file path=ppt/slides/slide6.xml><?xml version="1.0" encoding="utf-8"?>
+<p:sld xmlns:a="http://schemas.openxmlformats.org/drawingml/2006/main" xmlns:r="http://schemas.openxmlformats.org/officeDocument/2006/relationships" xmlns:p="http://schemas.openxmlformats.org/presentationml/2006/main">
+  <p:cSld>
+    <p:spTree>
+      <p:nvGrpSpPr>
+        <p:cNvPr id="1" name=""/>
+        <p:cNvGrpSpPr/>
+        <p:nvPr/>
+      </p:nvGrpSpPr>
+      <p:grpSpPr>
+        <a:xfrm>
+          <a:off x="0" y="0"/>
+          <a:ext cx="0" cy="0"/>
+          <a:chOff x="0" y="0"/>
+          <a:chExt cx="0" cy="0"/>
+        </a:xfrm>
+      </p:grpSpPr>
+      <p:sp>
+        <p:nvSpPr>
+          <p:cNvPr id="2" name="Title 1"/>
+          <p:cNvSpPr>
+            <a:spLocks noGrp="1"/>
+          </p:cNvSpPr>
+          <p:nvPr>
+            <p:ph type="title"/>
+          </p:nvPr>
+        </p:nvSpPr>
+        <p:spPr/>
+        <p:txBody>
+          <a:bodyPr/>
+          <a:lstStyle/>
+          <a:p>
+            <a:endParaRPr lang="en-US"/>
+          </a:p>
+        </p:txBody>
+      </p:sp>
+      <p:sp>
+        <p:nvSpPr>
+          <p:cNvPr id="3" name="Content Placeholder 2"/>
+          <p:cNvSpPr>
+            <a:spLocks noGrp="1"/>
+          </p:cNvSpPr>
+          <p:nvPr>
+            <p:ph idx="1"/>
+          </p:nvPr>
+        </p:nvSpPr>
+        <p:spPr/>
+        <p:txBody>
+          <a:bodyPr/>
+          <a:lstStyle/>
+          <a:p>
+            <a:endParaRPr lang="en-US"/>
+          </a:p>
+        </p:txBody>
+      </p:sp>
+    </p:spTree>
+    <p:extLst>
+      <p:ext uri="{BB962C8B-B14F-4D97-AF65-F5344CB8AC3E}">
+        <p14:creationId xmlns:p14="http://schemas.microsoft.com/office/powerpoint/2010/main" val="1760587989"/>
+      </p:ext>
+    </p:extLst>
+  </p:cSld>
+  <p:clrMapOvr>
+    <a:masterClrMapping/>
+  </p:clrMapOvr>
 </p:sld>
 </file>
 

--- a/Notes/distributed ML systems scalability.pptx
+++ b/Notes/distributed ML systems scalability.pptx
@@ -5,7 +5,7 @@
     <p:sldMasterId id="2147483648" r:id="rId1"/>
   </p:sldMasterIdLst>
   <p:notesMasterIdLst>
-    <p:notesMasterId r:id="rId8"/>
+    <p:notesMasterId r:id="rId14"/>
   </p:notesMasterIdLst>
   <p:sldIdLst>
     <p:sldId id="257" r:id="rId2"/>
@@ -13,7 +13,13 @@
     <p:sldId id="259" r:id="rId4"/>
     <p:sldId id="260" r:id="rId5"/>
     <p:sldId id="262" r:id="rId6"/>
-    <p:sldId id="261" r:id="rId7"/>
+    <p:sldId id="265" r:id="rId7"/>
+    <p:sldId id="266" r:id="rId8"/>
+    <p:sldId id="267" r:id="rId9"/>
+    <p:sldId id="269" r:id="rId10"/>
+    <p:sldId id="270" r:id="rId11"/>
+    <p:sldId id="261" r:id="rId12"/>
+    <p:sldId id="271" r:id="rId13"/>
   </p:sldIdLst>
   <p:sldSz cx="10080625" cy="7559675"/>
   <p:notesSz cx="7772400" cy="10058400"/>
@@ -196,11 +202,17 @@
             <p14:sldId id="259"/>
             <p14:sldId id="260"/>
             <p14:sldId id="262"/>
+            <p14:sldId id="265"/>
+            <p14:sldId id="266"/>
+            <p14:sldId id="267"/>
+            <p14:sldId id="269"/>
+            <p14:sldId id="270"/>
           </p14:sldIdLst>
         </p14:section>
         <p14:section name="李沐-&gt;OSDI" id="{EAA402A6-0A12-794F-88B8-782758568252}">
           <p14:sldIdLst>
             <p14:sldId id="261"/>
+            <p14:sldId id="271"/>
           </p14:sldIdLst>
         </p14:section>
       </p14:sectionLst>
@@ -5122,6 +5134,289 @@
 </p:sld>
 </file>
 
+<file path=ppt/slides/slide10.xml><?xml version="1.0" encoding="utf-8"?>
+<p:sld xmlns:a="http://schemas.openxmlformats.org/drawingml/2006/main" xmlns:r="http://schemas.openxmlformats.org/officeDocument/2006/relationships" xmlns:p="http://schemas.openxmlformats.org/presentationml/2006/main">
+  <p:cSld>
+    <p:spTree>
+      <p:nvGrpSpPr>
+        <p:cNvPr id="1" name=""/>
+        <p:cNvGrpSpPr/>
+        <p:nvPr/>
+      </p:nvGrpSpPr>
+      <p:grpSpPr>
+        <a:xfrm>
+          <a:off x="0" y="0"/>
+          <a:ext cx="0" cy="0"/>
+          <a:chOff x="0" y="0"/>
+          <a:chExt cx="0" cy="0"/>
+        </a:xfrm>
+      </p:grpSpPr>
+      <p:sp>
+        <p:nvSpPr>
+          <p:cNvPr id="2" name="标题 1"/>
+          <p:cNvSpPr>
+            <a:spLocks noGrp="1"/>
+          </p:cNvSpPr>
+          <p:nvPr>
+            <p:ph type="title"/>
+          </p:nvPr>
+        </p:nvSpPr>
+        <p:spPr/>
+        <p:txBody>
+          <a:bodyPr/>
+          <a:lstStyle/>
+          <a:p>
+            <a:r>
+              <a:rPr lang="en-US" altLang="zh-CN" dirty="0">
+                <a:ea typeface="宋体" panose="02010600030101010101" pitchFamily="2" charset="-122"/>
+              </a:rPr>
+              <a:t>Evaluation </a:t>
+            </a:r>
+            <a:endParaRPr lang="zh-CN" altLang="en-US" dirty="0"/>
+          </a:p>
+        </p:txBody>
+      </p:sp>
+      <p:sp>
+        <p:nvSpPr>
+          <p:cNvPr id="3" name="内容占位符 2"/>
+          <p:cNvSpPr>
+            <a:spLocks noGrp="1"/>
+          </p:cNvSpPr>
+          <p:nvPr>
+            <p:ph idx="1"/>
+          </p:nvPr>
+        </p:nvSpPr>
+        <p:spPr/>
+        <p:txBody>
+          <a:bodyPr/>
+          <a:lstStyle/>
+          <a:p>
+            <a:pPr marL="914400" lvl="2" indent="0"/>
+            <a:endParaRPr lang="en-US" altLang="zh-CN" dirty="0" smtClean="0"/>
+          </a:p>
+        </p:txBody>
+      </p:sp>
+    </p:spTree>
+    <p:extLst>
+      <p:ext uri="{BB962C8B-B14F-4D97-AF65-F5344CB8AC3E}">
+        <p14:creationId xmlns:p14="http://schemas.microsoft.com/office/powerpoint/2010/main" val="3823275348"/>
+      </p:ext>
+    </p:extLst>
+  </p:cSld>
+  <p:clrMapOvr>
+    <a:masterClrMapping/>
+  </p:clrMapOvr>
+</p:sld>
+</file>
+
+<file path=ppt/slides/slide11.xml><?xml version="1.0" encoding="utf-8"?>
+<p:sld xmlns:a="http://schemas.openxmlformats.org/drawingml/2006/main" xmlns:r="http://schemas.openxmlformats.org/officeDocument/2006/relationships" xmlns:p="http://schemas.openxmlformats.org/presentationml/2006/main">
+  <p:cSld>
+    <p:spTree>
+      <p:nvGrpSpPr>
+        <p:cNvPr id="1" name=""/>
+        <p:cNvGrpSpPr/>
+        <p:nvPr/>
+      </p:nvGrpSpPr>
+      <p:grpSpPr>
+        <a:xfrm>
+          <a:off x="0" y="0"/>
+          <a:ext cx="0" cy="0"/>
+          <a:chOff x="0" y="0"/>
+          <a:chExt cx="0" cy="0"/>
+        </a:xfrm>
+      </p:grpSpPr>
+      <p:sp>
+        <p:nvSpPr>
+          <p:cNvPr id="2" name="Title 1"/>
+          <p:cNvSpPr>
+            <a:spLocks noGrp="1"/>
+          </p:cNvSpPr>
+          <p:nvPr>
+            <p:ph type="title"/>
+          </p:nvPr>
+        </p:nvSpPr>
+        <p:spPr/>
+        <p:txBody>
+          <a:bodyPr/>
+          <a:lstStyle/>
+          <a:p>
+            <a:r>
+              <a:rPr lang="en-US" altLang="zh-CN" dirty="0"/>
+              <a:t>Scaling Distributed Machine Learning with the Parameter </a:t>
+            </a:r>
+            <a:r>
+              <a:rPr lang="en-US" altLang="zh-CN" dirty="0" smtClean="0"/>
+              <a:t>Server</a:t>
+            </a:r>
+            <a:endParaRPr lang="en-US" dirty="0"/>
+          </a:p>
+        </p:txBody>
+      </p:sp>
+      <p:sp>
+        <p:nvSpPr>
+          <p:cNvPr id="3" name="Content Placeholder 2"/>
+          <p:cNvSpPr>
+            <a:spLocks noGrp="1"/>
+          </p:cNvSpPr>
+          <p:nvPr>
+            <p:ph idx="1"/>
+          </p:nvPr>
+        </p:nvSpPr>
+        <p:spPr/>
+        <p:txBody>
+          <a:bodyPr/>
+          <a:lstStyle/>
+          <a:p>
+            <a:r>
+              <a:rPr lang="en-US" dirty="0" smtClean="0"/>
+              <a:t>Mu Li∗‡, </a:t>
+            </a:r>
+            <a:r>
+              <a:rPr lang="en-US" dirty="0"/>
+              <a:t>David G. </a:t>
+            </a:r>
+            <a:r>
+              <a:rPr lang="en-US" dirty="0" smtClean="0"/>
+              <a:t>Andersen∗, </a:t>
+            </a:r>
+            <a:r>
+              <a:rPr lang="en-US" dirty="0" err="1"/>
+              <a:t>JunWoo</a:t>
+            </a:r>
+            <a:r>
+              <a:rPr lang="en-US" dirty="0"/>
+              <a:t> Park∗, Alexander J. </a:t>
+            </a:r>
+            <a:r>
+              <a:rPr lang="en-US" dirty="0" err="1"/>
+              <a:t>Smola</a:t>
+            </a:r>
+            <a:r>
+              <a:rPr lang="en-US" dirty="0"/>
+              <a:t>∗†, Amr Ahmed†, </a:t>
+            </a:r>
+            <a:r>
+              <a:rPr lang="en-US" dirty="0" err="1"/>
+              <a:t>Vanja</a:t>
+            </a:r>
+            <a:r>
+              <a:rPr lang="en-US" dirty="0"/>
+              <a:t> </a:t>
+            </a:r>
+            <a:r>
+              <a:rPr lang="en-US" dirty="0" err="1"/>
+              <a:t>Josifovski</a:t>
+            </a:r>
+            <a:r>
+              <a:rPr lang="en-US" dirty="0"/>
+              <a:t>†, James Long†, Eugene J. </a:t>
+            </a:r>
+            <a:r>
+              <a:rPr lang="en-US" dirty="0" err="1"/>
+              <a:t>Shekita</a:t>
+            </a:r>
+            <a:r>
+              <a:rPr lang="en-US" dirty="0"/>
+              <a:t>†, </a:t>
+            </a:r>
+            <a:r>
+              <a:rPr lang="en-US" dirty="0" err="1"/>
+              <a:t>Bor-Yiing</a:t>
+            </a:r>
+            <a:r>
+              <a:rPr lang="en-US" dirty="0"/>
+              <a:t> Su† ∗Carnegie Mellon University ‡Baidu †</a:t>
+            </a:r>
+            <a:r>
+              <a:rPr lang="en-US" dirty="0" smtClean="0"/>
+              <a:t>Google</a:t>
+            </a:r>
+            <a:endParaRPr lang="en-US" dirty="0"/>
+          </a:p>
+        </p:txBody>
+      </p:sp>
+    </p:spTree>
+    <p:extLst>
+      <p:ext uri="{BB962C8B-B14F-4D97-AF65-F5344CB8AC3E}">
+        <p14:creationId xmlns:p14="http://schemas.microsoft.com/office/powerpoint/2010/main" val="1760587989"/>
+      </p:ext>
+    </p:extLst>
+  </p:cSld>
+  <p:clrMapOvr>
+    <a:masterClrMapping/>
+  </p:clrMapOvr>
+</p:sld>
+</file>
+
+<file path=ppt/slides/slide12.xml><?xml version="1.0" encoding="utf-8"?>
+<p:sld xmlns:a="http://schemas.openxmlformats.org/drawingml/2006/main" xmlns:r="http://schemas.openxmlformats.org/officeDocument/2006/relationships" xmlns:p="http://schemas.openxmlformats.org/presentationml/2006/main">
+  <p:cSld>
+    <p:spTree>
+      <p:nvGrpSpPr>
+        <p:cNvPr id="1" name=""/>
+        <p:cNvGrpSpPr/>
+        <p:nvPr/>
+      </p:nvGrpSpPr>
+      <p:grpSpPr>
+        <a:xfrm>
+          <a:off x="0" y="0"/>
+          <a:ext cx="0" cy="0"/>
+          <a:chOff x="0" y="0"/>
+          <a:chExt cx="0" cy="0"/>
+        </a:xfrm>
+      </p:grpSpPr>
+      <p:sp>
+        <p:nvSpPr>
+          <p:cNvPr id="2" name="标题 1"/>
+          <p:cNvSpPr>
+            <a:spLocks noGrp="1"/>
+          </p:cNvSpPr>
+          <p:nvPr>
+            <p:ph type="title"/>
+          </p:nvPr>
+        </p:nvSpPr>
+        <p:spPr/>
+        <p:txBody>
+          <a:bodyPr/>
+          <a:lstStyle/>
+          <a:p>
+            <a:endParaRPr lang="zh-CN" altLang="en-US"/>
+          </a:p>
+        </p:txBody>
+      </p:sp>
+      <p:sp>
+        <p:nvSpPr>
+          <p:cNvPr id="3" name="内容占位符 2"/>
+          <p:cNvSpPr>
+            <a:spLocks noGrp="1"/>
+          </p:cNvSpPr>
+          <p:nvPr>
+            <p:ph idx="1"/>
+          </p:nvPr>
+        </p:nvSpPr>
+        <p:spPr/>
+        <p:txBody>
+          <a:bodyPr/>
+          <a:lstStyle/>
+          <a:p>
+            <a:endParaRPr lang="zh-CN" altLang="en-US"/>
+          </a:p>
+        </p:txBody>
+      </p:sp>
+    </p:spTree>
+    <p:extLst>
+      <p:ext uri="{BB962C8B-B14F-4D97-AF65-F5344CB8AC3E}">
+        <p14:creationId xmlns:p14="http://schemas.microsoft.com/office/powerpoint/2010/main" val="957320758"/>
+      </p:ext>
+    </p:extLst>
+  </p:cSld>
+  <p:clrMapOvr>
+    <a:masterClrMapping/>
+  </p:clrMapOvr>
+</p:sld>
+</file>
+
 <file path=ppt/slides/slide2.xml><?xml version="1.0" encoding="utf-8"?>
 <p:sld xmlns:a="http://schemas.openxmlformats.org/drawingml/2006/main" xmlns:r="http://schemas.openxmlformats.org/officeDocument/2006/relationships" xmlns:p="http://schemas.openxmlformats.org/presentationml/2006/main">
   <p:cSld>
@@ -5340,11 +5635,17 @@
             <p:ph idx="1"/>
           </p:nvPr>
         </p:nvSpPr>
-        <p:spPr/>
+        <p:spPr>
+          <a:xfrm>
+            <a:off x="503238" y="2411685"/>
+            <a:ext cx="9069387" cy="4383088"/>
+          </a:xfrm>
+        </p:spPr>
         <p:txBody>
           <a:bodyPr/>
           <a:lstStyle/>
           <a:p>
+            <a:pPr algn="ctr"/>
             <a:r>
               <a:rPr lang="en-US" altLang="zh-CN" dirty="0" err="1" smtClean="0"/>
               <a:t>Trishul</a:t>
@@ -5357,23 +5658,33 @@
               <a:rPr lang="en-US" altLang="zh-CN" dirty="0" err="1" smtClean="0"/>
               <a:t>Chilimbi</a:t>
             </a:r>
-            <a:endParaRPr lang="en-US" altLang="zh-CN" dirty="0" smtClean="0"/>
-          </a:p>
-          <a:p>
+            <a:r>
+              <a:rPr lang="en-US" altLang="zh-CN" dirty="0" err="1"/>
+              <a:t>,</a:t>
+            </a:r>
+            <a:r>
+              <a:rPr lang="en-US" altLang="zh-CN" dirty="0" err="1" smtClean="0"/>
+              <a:t>Yutaka</a:t>
+            </a:r>
             <a:r>
               <a:rPr lang="en-US" altLang="zh-CN" dirty="0" smtClean="0"/>
-              <a:t>Yutaka </a:t>
+              <a:t> </a:t>
             </a:r>
             <a:r>
               <a:rPr lang="en-US" altLang="zh-CN" dirty="0" err="1" smtClean="0"/>
               <a:t>Suzue</a:t>
             </a:r>
-            <a:endParaRPr lang="en-US" altLang="zh-CN" dirty="0" smtClean="0"/>
-          </a:p>
-          <a:p>
+            <a:r>
+              <a:rPr lang="en-US" altLang="zh-CN" dirty="0" err="1"/>
+              <a:t>,</a:t>
+            </a:r>
+            <a:r>
+              <a:rPr lang="en-US" altLang="zh-CN" dirty="0" err="1" smtClean="0"/>
+              <a:t>Johnson</a:t>
+            </a:r>
             <a:r>
               <a:rPr lang="en-US" altLang="zh-CN" dirty="0" smtClean="0"/>
-              <a:t>Johnson </a:t>
+              <a:t> </a:t>
             </a:r>
             <a:r>
               <a:rPr lang="en-US" altLang="zh-CN" dirty="0" err="1" smtClean="0"/>
@@ -5383,8 +5694,10 @@
               <a:rPr lang="en-US" altLang="zh-CN" dirty="0" smtClean="0"/>
               <a:t> </a:t>
             </a:r>
-          </a:p>
-          <a:p>
+            <a:r>
+              <a:rPr lang="en-US" altLang="zh-CN" dirty="0" smtClean="0"/>
+              <a:t>,</a:t>
+            </a:r>
             <a:r>
               <a:rPr lang="en-US" altLang="zh-CN" dirty="0" err="1" smtClean="0"/>
               <a:t>Karthik</a:t>
@@ -5403,12 +5716,15 @@
             </a:r>
           </a:p>
           <a:p>
-            <a:r>
-              <a:rPr lang="en-US" altLang="zh-CN" dirty="0" smtClean="0"/>
-              <a:t>Microsoft Research</a:t>
-            </a:r>
-          </a:p>
-          <a:p>
+            <a:pPr algn="r"/>
+            <a:endParaRPr lang="en-US" altLang="zh-CN" dirty="0" smtClean="0"/>
+          </a:p>
+          <a:p>
+            <a:pPr algn="r"/>
+            <a:endParaRPr lang="en-US" altLang="zh-CN" dirty="0"/>
+          </a:p>
+          <a:p>
+            <a:pPr algn="r"/>
             <a:r>
               <a:rPr lang="en-US" altLang="zh-CN" dirty="0" smtClean="0"/>
               <a:t>——</a:t>
@@ -5712,10 +6028,16 @@
               </a:tabLst>
             </a:pPr>
             <a:r>
+              <a:rPr lang="en-US" altLang="zh-CN" dirty="0" smtClean="0">
+                <a:ea typeface="宋体" panose="02010600030101010101" pitchFamily="2" charset="-122"/>
+              </a:rPr>
+              <a:t>Partition </a:t>
+            </a:r>
+            <a:r>
               <a:rPr lang="en-US" altLang="zh-CN" dirty="0">
                 <a:ea typeface="宋体" panose="02010600030101010101" pitchFamily="2" charset="-122"/>
               </a:rPr>
-              <a:t>Partition large models</a:t>
+              <a:t>large models</a:t>
             </a:r>
           </a:p>
           <a:p>
@@ -5780,36 +6102,30 @@
               </a:tabLst>
             </a:pPr>
             <a:r>
-              <a:rPr lang="en-US" altLang="zh-CN" dirty="0">
+              <a:rPr lang="en-US" altLang="zh-CN" dirty="0" smtClean="0">
                 <a:ea typeface="宋体" panose="02010600030101010101" pitchFamily="2" charset="-122"/>
               </a:rPr>
               <a:t>Asynchrony</a:t>
             </a:r>
             <a:r>
-              <a:rPr lang="zh-CN" altLang="en-US" dirty="0">
+              <a:rPr lang="zh-CN" altLang="en-US" dirty="0" smtClean="0">
                 <a:ea typeface="宋体" panose="02010600030101010101" pitchFamily="2" charset="-122"/>
               </a:rPr>
               <a:t>提高了</a:t>
             </a:r>
             <a:r>
-              <a:rPr lang="en-US" altLang="zh-CN" dirty="0">
+              <a:rPr lang="en-US" altLang="zh-CN" dirty="0" smtClean="0">
                 <a:ea typeface="宋体" panose="02010600030101010101" pitchFamily="2" charset="-122"/>
               </a:rPr>
               <a:t>accuracy</a:t>
             </a:r>
             <a:r>
-              <a:rPr lang="zh-CN" altLang="en-US" dirty="0">
-                <a:ea typeface="宋体" panose="02010600030101010101" pitchFamily="2" charset="-122"/>
-              </a:rPr>
-              <a:t>，相同时间机器更</a:t>
-            </a:r>
-            <a:r>
               <a:rPr lang="zh-CN" altLang="en-US" dirty="0" smtClean="0">
                 <a:ea typeface="宋体" panose="02010600030101010101" pitchFamily="2" charset="-122"/>
               </a:rPr>
-              <a:t>少</a:t>
-            </a:r>
-            <a:endParaRPr lang="en-US" altLang="zh-CN" dirty="0" smtClean="0">
+              <a:t>，相同时间机器更少</a:t>
+            </a:r>
+            <a:endParaRPr lang="zh-CN" altLang="zh-CN" dirty="0">
               <a:ea typeface="宋体" panose="02010600030101010101" pitchFamily="2" charset="-122"/>
             </a:endParaRPr>
           </a:p>
@@ -5840,6 +6156,12 @@
                 <a:tab pos="8686800" algn="l"/>
               </a:tabLst>
             </a:pPr>
+            <a:r>
+              <a:rPr lang="en-US" altLang="zh-CN" dirty="0" smtClean="0">
+                <a:ea typeface="宋体" panose="02010600030101010101" pitchFamily="2" charset="-122"/>
+              </a:rPr>
+              <a:t>Adam</a:t>
+            </a:r>
             <a:endParaRPr lang="en-US" altLang="zh-CN" dirty="0">
               <a:ea typeface="宋体" panose="02010600030101010101" pitchFamily="2" charset="-122"/>
             </a:endParaRPr>
@@ -5871,6 +6193,101 @@
                 <a:tab pos="8686800" algn="l"/>
               </a:tabLst>
             </a:pPr>
+            <a:r>
+              <a:rPr lang="en-US" altLang="zh-CN" dirty="0">
+                <a:ea typeface="宋体" panose="02010600030101010101" pitchFamily="2" charset="-122"/>
+              </a:rPr>
+              <a:t>data </a:t>
+            </a:r>
+            <a:r>
+              <a:rPr lang="en-US" altLang="zh-CN" dirty="0" smtClean="0">
+                <a:ea typeface="宋体" panose="02010600030101010101" pitchFamily="2" charset="-122"/>
+              </a:rPr>
+              <a:t>serving machines</a:t>
+            </a:r>
+          </a:p>
+          <a:p>
+            <a:pPr marL="831850" lvl="1" indent="-323850">
+              <a:buSzPct val="45000"/>
+              <a:buFont typeface="Wingdings" panose="05000000000000000000" pitchFamily="2" charset="2"/>
+              <a:buChar char=""/>
+              <a:tabLst>
+                <a:tab pos="457200" algn="l"/>
+                <a:tab pos="914400" algn="l"/>
+                <a:tab pos="1371600" algn="l"/>
+                <a:tab pos="1828800" algn="l"/>
+                <a:tab pos="2286000" algn="l"/>
+                <a:tab pos="2743200" algn="l"/>
+                <a:tab pos="3200400" algn="l"/>
+                <a:tab pos="3657600" algn="l"/>
+                <a:tab pos="4114800" algn="l"/>
+                <a:tab pos="4572000" algn="l"/>
+                <a:tab pos="5029200" algn="l"/>
+                <a:tab pos="5486400" algn="l"/>
+                <a:tab pos="5943600" algn="l"/>
+                <a:tab pos="6400800" algn="l"/>
+                <a:tab pos="6858000" algn="l"/>
+                <a:tab pos="7315200" algn="l"/>
+                <a:tab pos="7772400" algn="l"/>
+                <a:tab pos="8229600" algn="l"/>
+                <a:tab pos="8686800" algn="l"/>
+              </a:tabLst>
+            </a:pPr>
+            <a:r>
+              <a:rPr lang="en-US" altLang="zh-CN" dirty="0" smtClean="0">
+                <a:ea typeface="宋体" panose="02010600030101010101" pitchFamily="2" charset="-122"/>
+              </a:rPr>
+              <a:t>model training machines</a:t>
+            </a:r>
+            <a:endParaRPr lang="en-US" altLang="zh-CN" dirty="0">
+              <a:ea typeface="宋体" panose="02010600030101010101" pitchFamily="2" charset="-122"/>
+            </a:endParaRPr>
+          </a:p>
+          <a:p>
+            <a:pPr marL="831850" lvl="1" indent="-323850">
+              <a:buSzPct val="45000"/>
+              <a:buFont typeface="Wingdings" panose="05000000000000000000" pitchFamily="2" charset="2"/>
+              <a:buChar char=""/>
+              <a:tabLst>
+                <a:tab pos="457200" algn="l"/>
+                <a:tab pos="914400" algn="l"/>
+                <a:tab pos="1371600" algn="l"/>
+                <a:tab pos="1828800" algn="l"/>
+                <a:tab pos="2286000" algn="l"/>
+                <a:tab pos="2743200" algn="l"/>
+                <a:tab pos="3200400" algn="l"/>
+                <a:tab pos="3657600" algn="l"/>
+                <a:tab pos="4114800" algn="l"/>
+                <a:tab pos="4572000" algn="l"/>
+                <a:tab pos="5029200" algn="l"/>
+                <a:tab pos="5486400" algn="l"/>
+                <a:tab pos="5943600" algn="l"/>
+                <a:tab pos="6400800" algn="l"/>
+                <a:tab pos="6858000" algn="l"/>
+                <a:tab pos="7315200" algn="l"/>
+                <a:tab pos="7772400" algn="l"/>
+                <a:tab pos="8229600" algn="l"/>
+                <a:tab pos="8686800" algn="l"/>
+              </a:tabLst>
+            </a:pPr>
+            <a:r>
+              <a:rPr lang="en-US" altLang="zh-CN" dirty="0">
+                <a:ea typeface="宋体" panose="02010600030101010101" pitchFamily="2" charset="-122"/>
+              </a:rPr>
+              <a:t>a </a:t>
+            </a:r>
+            <a:r>
+              <a:rPr lang="en-US" altLang="zh-CN" dirty="0" smtClean="0">
+                <a:ea typeface="宋体" panose="02010600030101010101" pitchFamily="2" charset="-122"/>
+              </a:rPr>
+              <a:t>global parameter </a:t>
+            </a:r>
+            <a:r>
+              <a:rPr lang="en-US" altLang="zh-CN" dirty="0">
+                <a:ea typeface="宋体" panose="02010600030101010101" pitchFamily="2" charset="-122"/>
+              </a:rPr>
+              <a:t>server.</a:t>
+            </a:r>
             <a:endParaRPr lang="en-US" altLang="zh-CN" dirty="0" smtClean="0">
               <a:ea typeface="宋体" panose="02010600030101010101" pitchFamily="2" charset="-122"/>
             </a:endParaRPr>
@@ -5976,18 +6393,97 @@
         </p:nvSpPr>
         <p:spPr>
           <a:xfrm>
-            <a:off x="575816" y="179437"/>
-            <a:ext cx="9069387" cy="7200800"/>
+            <a:off x="575816" y="2339677"/>
+            <a:ext cx="9069387" cy="5040560"/>
           </a:xfrm>
         </p:spPr>
         <p:txBody>
           <a:bodyPr/>
           <a:lstStyle/>
           <a:p>
-            <a:pPr marL="431800" indent="-323850">
+            <a:pPr lvl="2"/>
+            <a:r>
+              <a:rPr lang="en-US" altLang="zh-CN" dirty="0" smtClean="0"/>
+              <a:t>1 </a:t>
+            </a:r>
+            <a:r>
+              <a:rPr lang="zh-CN" altLang="en-US" dirty="0"/>
+              <a:t>对</a:t>
+            </a:r>
+            <a:r>
+              <a:rPr lang="en-US" altLang="zh-CN" dirty="0"/>
+              <a:t>image </a:t>
+            </a:r>
+            <a:r>
+              <a:rPr lang="zh-CN" altLang="en-US" dirty="0"/>
+              <a:t>预处理</a:t>
+            </a:r>
+          </a:p>
+          <a:p>
+            <a:pPr lvl="2"/>
+            <a:r>
+              <a:rPr lang="en-US" altLang="zh-CN" dirty="0"/>
+              <a:t>2 pre-cache images </a:t>
+            </a:r>
+            <a:r>
+              <a:rPr lang="zh-CN" altLang="en-US" dirty="0"/>
+              <a:t>用整个</a:t>
+            </a:r>
+            <a:r>
+              <a:rPr lang="en-US" altLang="zh-CN" dirty="0"/>
+              <a:t>memory</a:t>
+            </a:r>
+          </a:p>
+          <a:p>
+            <a:pPr lvl="2"/>
+            <a:r>
+              <a:rPr lang="en-US" altLang="zh-CN" dirty="0"/>
+              <a:t>3 </a:t>
+            </a:r>
+            <a:r>
+              <a:rPr lang="en-US" altLang="zh-CN" dirty="0" err="1"/>
+              <a:t>asyn</a:t>
+            </a:r>
+            <a:r>
+              <a:rPr lang="en-US" altLang="zh-CN" dirty="0"/>
+              <a:t> IO. Model training machines </a:t>
+            </a:r>
+            <a:r>
+              <a:rPr lang="zh-CN" altLang="en-US" dirty="0"/>
+              <a:t>提前后台线程取</a:t>
+            </a:r>
+            <a:r>
+              <a:rPr lang="en-US" altLang="zh-CN" dirty="0" smtClean="0"/>
+              <a:t>data</a:t>
+            </a:r>
+            <a:endParaRPr lang="en-US" altLang="zh-CN" dirty="0">
+              <a:ea typeface="宋体" panose="02010600030101010101" pitchFamily="2" charset="-122"/>
+            </a:endParaRPr>
+          </a:p>
+        </p:txBody>
+      </p:sp>
+      <p:sp>
+        <p:nvSpPr>
+          <p:cNvPr id="4" name="标题 1"/>
+          <p:cNvSpPr>
+            <a:spLocks noGrp="1"/>
+          </p:cNvSpPr>
+          <p:nvPr>
+            <p:ph type="title"/>
+          </p:nvPr>
+        </p:nvSpPr>
+        <p:spPr>
+          <a:xfrm>
+            <a:off x="503238" y="301625"/>
+            <a:ext cx="9069387" cy="1260475"/>
+          </a:xfrm>
+        </p:spPr>
+        <p:txBody>
+          <a:bodyPr/>
+          <a:lstStyle/>
+          <a:p>
+            <a:pPr marL="508000" lvl="1" indent="0">
               <a:buSzPct val="45000"/>
-              <a:buFont typeface="Wingdings" panose="05000000000000000000" pitchFamily="2" charset="2"/>
-              <a:buChar char=""/>
               <a:tabLst>
                 <a:tab pos="457200" algn="l"/>
                 <a:tab pos="914400" algn="l"/>
@@ -6014,147 +6510,8 @@
               <a:rPr lang="en-US" altLang="zh-CN" dirty="0">
                 <a:ea typeface="宋体" panose="02010600030101010101" pitchFamily="2" charset="-122"/>
               </a:rPr>
-              <a:t>Adam</a:t>
-            </a:r>
-          </a:p>
-          <a:p>
-            <a:pPr marL="831850" lvl="1" indent="-323850">
-              <a:buSzPct val="45000"/>
-              <a:buFont typeface="Wingdings" panose="05000000000000000000" pitchFamily="2" charset="2"/>
-              <a:buChar char=""/>
-              <a:tabLst>
-                <a:tab pos="457200" algn="l"/>
-                <a:tab pos="914400" algn="l"/>
-                <a:tab pos="1371600" algn="l"/>
-                <a:tab pos="1828800" algn="l"/>
-                <a:tab pos="2286000" algn="l"/>
-                <a:tab pos="2743200" algn="l"/>
-                <a:tab pos="3200400" algn="l"/>
-                <a:tab pos="3657600" algn="l"/>
-                <a:tab pos="4114800" algn="l"/>
-                <a:tab pos="4572000" algn="l"/>
-                <a:tab pos="5029200" algn="l"/>
-                <a:tab pos="5486400" algn="l"/>
-                <a:tab pos="5943600" algn="l"/>
-                <a:tab pos="6400800" algn="l"/>
-                <a:tab pos="6858000" algn="l"/>
-                <a:tab pos="7315200" algn="l"/>
-                <a:tab pos="7772400" algn="l"/>
-                <a:tab pos="8229600" algn="l"/>
-                <a:tab pos="8686800" algn="l"/>
-              </a:tabLst>
-            </a:pPr>
-            <a:r>
-              <a:rPr lang="en-US" altLang="zh-CN" dirty="0">
-                <a:ea typeface="宋体" panose="02010600030101010101" pitchFamily="2" charset="-122"/>
-              </a:rPr>
               <a:t>Fast Data Serving</a:t>
             </a:r>
-          </a:p>
-          <a:p>
-            <a:pPr marL="831850" lvl="1" indent="-323850">
-              <a:buSzPct val="45000"/>
-              <a:buFont typeface="Wingdings" panose="05000000000000000000" pitchFamily="2" charset="2"/>
-              <a:buChar char=""/>
-              <a:tabLst>
-                <a:tab pos="457200" algn="l"/>
-                <a:tab pos="914400" algn="l"/>
-                <a:tab pos="1371600" algn="l"/>
-                <a:tab pos="1828800" algn="l"/>
-                <a:tab pos="2286000" algn="l"/>
-                <a:tab pos="2743200" algn="l"/>
-                <a:tab pos="3200400" algn="l"/>
-                <a:tab pos="3657600" algn="l"/>
-                <a:tab pos="4114800" algn="l"/>
-                <a:tab pos="4572000" algn="l"/>
-                <a:tab pos="5029200" algn="l"/>
-                <a:tab pos="5486400" algn="l"/>
-                <a:tab pos="5943600" algn="l"/>
-                <a:tab pos="6400800" algn="l"/>
-                <a:tab pos="6858000" algn="l"/>
-                <a:tab pos="7315200" algn="l"/>
-                <a:tab pos="7772400" algn="l"/>
-                <a:tab pos="8229600" algn="l"/>
-                <a:tab pos="8686800" algn="l"/>
-              </a:tabLst>
-            </a:pPr>
-            <a:r>
-              <a:rPr lang="en-US" altLang="zh-CN" dirty="0">
-                <a:ea typeface="宋体" panose="02010600030101010101" pitchFamily="2" charset="-122"/>
-              </a:rPr>
-              <a:t>Model Training</a:t>
-            </a:r>
-          </a:p>
-          <a:p>
-            <a:pPr marL="831850" lvl="1" indent="-323850">
-              <a:buSzPct val="45000"/>
-              <a:buFont typeface="Wingdings" panose="05000000000000000000" pitchFamily="2" charset="2"/>
-              <a:buChar char=""/>
-              <a:tabLst>
-                <a:tab pos="457200" algn="l"/>
-                <a:tab pos="914400" algn="l"/>
-                <a:tab pos="1371600" algn="l"/>
-                <a:tab pos="1828800" algn="l"/>
-                <a:tab pos="2286000" algn="l"/>
-                <a:tab pos="2743200" algn="l"/>
-                <a:tab pos="3200400" algn="l"/>
-                <a:tab pos="3657600" algn="l"/>
-                <a:tab pos="4114800" algn="l"/>
-                <a:tab pos="4572000" algn="l"/>
-                <a:tab pos="5029200" algn="l"/>
-                <a:tab pos="5486400" algn="l"/>
-                <a:tab pos="5943600" algn="l"/>
-                <a:tab pos="6400800" algn="l"/>
-                <a:tab pos="6858000" algn="l"/>
-                <a:tab pos="7315200" algn="l"/>
-                <a:tab pos="7772400" algn="l"/>
-                <a:tab pos="8229600" algn="l"/>
-                <a:tab pos="8686800" algn="l"/>
-              </a:tabLst>
-            </a:pPr>
-            <a:r>
-              <a:rPr lang="en-US" altLang="zh-CN" dirty="0">
-                <a:ea typeface="宋体" panose="02010600030101010101" pitchFamily="2" charset="-122"/>
-              </a:rPr>
-              <a:t>Global Parameter Server</a:t>
-            </a:r>
-          </a:p>
-          <a:p>
-            <a:pPr marL="431800" indent="-323850">
-              <a:buSzPct val="45000"/>
-              <a:buFont typeface="Wingdings" panose="05000000000000000000" pitchFamily="2" charset="2"/>
-              <a:buChar char=""/>
-              <a:tabLst>
-                <a:tab pos="457200" algn="l"/>
-                <a:tab pos="914400" algn="l"/>
-                <a:tab pos="1371600" algn="l"/>
-                <a:tab pos="1828800" algn="l"/>
-                <a:tab pos="2286000" algn="l"/>
-                <a:tab pos="2743200" algn="l"/>
-                <a:tab pos="3200400" algn="l"/>
-                <a:tab pos="3657600" algn="l"/>
-                <a:tab pos="4114800" algn="l"/>
-                <a:tab pos="4572000" algn="l"/>
-                <a:tab pos="5029200" algn="l"/>
-                <a:tab pos="5486400" algn="l"/>
-                <a:tab pos="5943600" algn="l"/>
-                <a:tab pos="6400800" algn="l"/>
-                <a:tab pos="6858000" algn="l"/>
-                <a:tab pos="7315200" algn="l"/>
-                <a:tab pos="7772400" algn="l"/>
-                <a:tab pos="8229600" algn="l"/>
-                <a:tab pos="8686800" algn="l"/>
-              </a:tabLst>
-            </a:pPr>
-            <a:r>
-              <a:rPr lang="en-US" altLang="zh-CN" dirty="0" smtClean="0">
-                <a:ea typeface="宋体" panose="02010600030101010101" pitchFamily="2" charset="-122"/>
-              </a:rPr>
-              <a:t>Evaluation</a:t>
-            </a:r>
-            <a:endParaRPr lang="en-US" altLang="zh-CN" dirty="0">
-              <a:ea typeface="宋体" panose="02010600030101010101" pitchFamily="2" charset="-122"/>
-            </a:endParaRPr>
           </a:p>
         </p:txBody>
       </p:sp>
@@ -6190,46 +6547,706 @@
       </p:grpSpPr>
       <p:sp>
         <p:nvSpPr>
-          <p:cNvPr id="2" name="Title 1"/>
+          <p:cNvPr id="3" name="内容占位符 2"/>
           <p:cNvSpPr>
             <a:spLocks noGrp="1"/>
           </p:cNvSpPr>
           <p:nvPr>
-            <p:ph type="title"/>
-          </p:nvPr>
-        </p:nvSpPr>
-        <p:spPr/>
+            <p:ph idx="1"/>
+          </p:nvPr>
+        </p:nvSpPr>
+        <p:spPr>
+          <a:xfrm>
+            <a:off x="503237" y="1907629"/>
+            <a:ext cx="9069387" cy="4383088"/>
+          </a:xfrm>
+        </p:spPr>
         <p:txBody>
           <a:bodyPr/>
           <a:lstStyle/>
           <a:p>
-            <a:endParaRPr lang="en-US"/>
-          </a:p>
-        </p:txBody>
-      </p:sp>
-      <p:sp>
-        <p:nvSpPr>
-          <p:cNvPr id="3" name="Content Placeholder 2"/>
+            <a:pPr marL="914400" lvl="2" indent="0"/>
+            <a:r>
+              <a:rPr lang="en-US" altLang="zh-CN" dirty="0" smtClean="0"/>
+              <a:t>1  </a:t>
+            </a:r>
+            <a:r>
+              <a:rPr lang="en-US" altLang="zh-CN" dirty="0"/>
+              <a:t>Multi-Threaded Training</a:t>
+            </a:r>
+          </a:p>
+          <a:p>
+            <a:pPr marL="1257300" lvl="2" indent="-342900">
+              <a:buFont typeface="Arial" panose="020B0604020202020204" pitchFamily="34" charset="0"/>
+              <a:buChar char="•"/>
+            </a:pPr>
+            <a:r>
+              <a:rPr lang="zh-CN" altLang="en-US" dirty="0" smtClean="0"/>
+              <a:t>一台</a:t>
+            </a:r>
+            <a:r>
+              <a:rPr lang="en-US" altLang="zh-CN" dirty="0" smtClean="0"/>
+              <a:t>machine </a:t>
+            </a:r>
+            <a:r>
+              <a:rPr lang="zh-CN" altLang="en-US" dirty="0" smtClean="0"/>
+              <a:t>多线程 处理不同的图 </a:t>
+            </a:r>
+            <a:r>
+              <a:rPr lang="en-US" altLang="zh-CN" dirty="0" smtClean="0"/>
+              <a:t>share</a:t>
+            </a:r>
+            <a:r>
+              <a:rPr lang="zh-CN" altLang="en-US" dirty="0" smtClean="0"/>
+              <a:t>权重</a:t>
+            </a:r>
+          </a:p>
+          <a:p>
+            <a:pPr marL="1257300" lvl="2" indent="-342900">
+              <a:buFont typeface="Arial" panose="020B0604020202020204" pitchFamily="34" charset="0"/>
+              <a:buChar char="•"/>
+            </a:pPr>
+            <a:r>
+              <a:rPr lang="en-US" altLang="zh-CN" dirty="0" smtClean="0"/>
+              <a:t>	</a:t>
+            </a:r>
+            <a:r>
+              <a:rPr lang="zh-CN" altLang="en-US" dirty="0" smtClean="0"/>
+              <a:t>每个</a:t>
+            </a:r>
+            <a:r>
+              <a:rPr lang="en-US" altLang="zh-CN" dirty="0" smtClean="0"/>
+              <a:t>thread </a:t>
+            </a:r>
+            <a:r>
+              <a:rPr lang="zh-CN" altLang="en-US" dirty="0" smtClean="0"/>
+              <a:t>一个</a:t>
+            </a:r>
+            <a:r>
+              <a:rPr lang="en-US" altLang="zh-CN" dirty="0" smtClean="0"/>
+              <a:t>context</a:t>
+            </a:r>
+          </a:p>
+          <a:p>
+            <a:pPr marL="1257300" lvl="2" indent="-342900">
+              <a:buFont typeface="Arial" panose="020B0604020202020204" pitchFamily="34" charset="0"/>
+              <a:buChar char="•"/>
+            </a:pPr>
+            <a:r>
+              <a:rPr lang="en-US" altLang="zh-CN" dirty="0" smtClean="0"/>
+              <a:t>	context </a:t>
+            </a:r>
+            <a:r>
+              <a:rPr lang="zh-CN" altLang="en-US" dirty="0" smtClean="0"/>
+              <a:t>用</a:t>
+            </a:r>
+            <a:r>
+              <a:rPr lang="en-US" altLang="zh-CN" dirty="0" smtClean="0"/>
+              <a:t>NUMA</a:t>
+            </a:r>
+            <a:r>
+              <a:rPr lang="zh-CN" altLang="en-US" dirty="0" smtClean="0"/>
+              <a:t>存储</a:t>
+            </a:r>
+            <a:endParaRPr lang="en-US" altLang="zh-CN" dirty="0" smtClean="0"/>
+          </a:p>
+          <a:p>
+            <a:pPr marL="914400" lvl="2" indent="0"/>
+            <a:r>
+              <a:rPr lang="en-US" altLang="zh-CN" dirty="0"/>
+              <a:t>2 Fast Weight Updates</a:t>
+            </a:r>
+          </a:p>
+          <a:p>
+            <a:pPr marL="914400" lvl="2" indent="0"/>
+            <a:r>
+              <a:rPr lang="zh-CN" altLang="en-US" dirty="0" smtClean="0"/>
+              <a:t>单机多线程更新</a:t>
+            </a:r>
+            <a:r>
+              <a:rPr lang="en-US" altLang="zh-CN" dirty="0" smtClean="0"/>
+              <a:t>weights</a:t>
+            </a:r>
+            <a:r>
+              <a:rPr lang="zh-CN" altLang="en-US" dirty="0" smtClean="0"/>
+              <a:t>时候 ：无锁</a:t>
+            </a:r>
+            <a:endParaRPr lang="en-US" altLang="zh-CN" dirty="0" smtClean="0"/>
+          </a:p>
+          <a:p>
+            <a:pPr marL="914400" lvl="2" indent="0"/>
+            <a:r>
+              <a:rPr lang="en-US" altLang="zh-CN" dirty="0"/>
+              <a:t>3 Reducing Memory Copies</a:t>
+            </a:r>
+          </a:p>
+          <a:p>
+            <a:pPr marL="914400" lvl="2" indent="0"/>
+            <a:r>
+              <a:rPr lang="zh-CN" altLang="en-US" dirty="0" smtClean="0"/>
+              <a:t>使用</a:t>
+            </a:r>
+            <a:r>
+              <a:rPr lang="en-US" altLang="zh-CN" dirty="0" smtClean="0"/>
+              <a:t>network library </a:t>
+            </a:r>
+            <a:r>
+              <a:rPr lang="zh-CN" altLang="en-US" dirty="0" smtClean="0"/>
+              <a:t>，接受 </a:t>
+            </a:r>
+            <a:r>
+              <a:rPr lang="en-US" altLang="zh-CN" dirty="0" smtClean="0"/>
+              <a:t>block</a:t>
+            </a:r>
+            <a:r>
+              <a:rPr lang="zh-CN" altLang="en-US" dirty="0" smtClean="0"/>
+              <a:t>的</a:t>
+            </a:r>
+            <a:r>
+              <a:rPr lang="en-US" altLang="zh-CN" dirty="0" smtClean="0"/>
+              <a:t>pointer</a:t>
+            </a:r>
+            <a:r>
+              <a:rPr lang="zh-CN" altLang="en-US" dirty="0" smtClean="0"/>
+              <a:t>参数，处理</a:t>
+            </a:r>
+            <a:r>
+              <a:rPr lang="en-US" altLang="zh-CN" dirty="0" smtClean="0"/>
+              <a:t>block</a:t>
+            </a:r>
+            <a:r>
+              <a:rPr lang="zh-CN" altLang="en-US" dirty="0" smtClean="0"/>
+              <a:t>需要的</a:t>
+            </a:r>
+            <a:r>
+              <a:rPr lang="en-US" altLang="zh-CN" dirty="0" smtClean="0"/>
+              <a:t>communications</a:t>
+            </a:r>
+          </a:p>
+        </p:txBody>
+      </p:sp>
+      <p:sp>
+        <p:nvSpPr>
+          <p:cNvPr id="4" name="标题 1"/>
           <p:cNvSpPr>
             <a:spLocks noGrp="1"/>
           </p:cNvSpPr>
           <p:nvPr>
-            <p:ph idx="1"/>
-          </p:nvPr>
-        </p:nvSpPr>
-        <p:spPr/>
+            <p:ph type="title"/>
+          </p:nvPr>
+        </p:nvSpPr>
+        <p:spPr>
+          <a:xfrm>
+            <a:off x="503238" y="301625"/>
+            <a:ext cx="9069387" cy="1260475"/>
+          </a:xfrm>
+        </p:spPr>
         <p:txBody>
           <a:bodyPr/>
           <a:lstStyle/>
           <a:p>
-            <a:endParaRPr lang="en-US"/>
+            <a:pPr marL="508000" lvl="1" indent="0">
+              <a:buSzPct val="45000"/>
+              <a:tabLst>
+                <a:tab pos="457200" algn="l"/>
+                <a:tab pos="914400" algn="l"/>
+                <a:tab pos="1371600" algn="l"/>
+                <a:tab pos="1828800" algn="l"/>
+                <a:tab pos="2286000" algn="l"/>
+                <a:tab pos="2743200" algn="l"/>
+                <a:tab pos="3200400" algn="l"/>
+                <a:tab pos="3657600" algn="l"/>
+                <a:tab pos="4114800" algn="l"/>
+                <a:tab pos="4572000" algn="l"/>
+                <a:tab pos="5029200" algn="l"/>
+                <a:tab pos="5486400" algn="l"/>
+                <a:tab pos="5943600" algn="l"/>
+                <a:tab pos="6400800" algn="l"/>
+                <a:tab pos="6858000" algn="l"/>
+                <a:tab pos="7315200" algn="l"/>
+                <a:tab pos="7772400" algn="l"/>
+                <a:tab pos="8229600" algn="l"/>
+                <a:tab pos="8686800" algn="l"/>
+              </a:tabLst>
+            </a:pPr>
+            <a:r>
+              <a:rPr lang="en-US" altLang="zh-CN" dirty="0" smtClean="0">
+                <a:ea typeface="宋体" panose="02010600030101010101" pitchFamily="2" charset="-122"/>
+              </a:rPr>
+              <a:t>Model </a:t>
+            </a:r>
+            <a:r>
+              <a:rPr lang="en-US" altLang="zh-CN" dirty="0">
+                <a:ea typeface="宋体" panose="02010600030101010101" pitchFamily="2" charset="-122"/>
+              </a:rPr>
+              <a:t>Training</a:t>
+            </a:r>
           </a:p>
         </p:txBody>
       </p:sp>
     </p:spTree>
     <p:extLst>
       <p:ext uri="{BB962C8B-B14F-4D97-AF65-F5344CB8AC3E}">
-        <p14:creationId xmlns:p14="http://schemas.microsoft.com/office/powerpoint/2010/main" val="1760587989"/>
+        <p14:creationId xmlns:p14="http://schemas.microsoft.com/office/powerpoint/2010/main" val="3264152735"/>
+      </p:ext>
+    </p:extLst>
+  </p:cSld>
+  <p:clrMapOvr>
+    <a:masterClrMapping/>
+  </p:clrMapOvr>
+</p:sld>
+</file>
+
+<file path=ppt/slides/slide7.xml><?xml version="1.0" encoding="utf-8"?>
+<p:sld xmlns:a="http://schemas.openxmlformats.org/drawingml/2006/main" xmlns:r="http://schemas.openxmlformats.org/officeDocument/2006/relationships" xmlns:p="http://schemas.openxmlformats.org/presentationml/2006/main">
+  <p:cSld>
+    <p:spTree>
+      <p:nvGrpSpPr>
+        <p:cNvPr id="1" name=""/>
+        <p:cNvGrpSpPr/>
+        <p:nvPr/>
+      </p:nvGrpSpPr>
+      <p:grpSpPr>
+        <a:xfrm>
+          <a:off x="0" y="0"/>
+          <a:ext cx="0" cy="0"/>
+          <a:chOff x="0" y="0"/>
+          <a:chExt cx="0" cy="0"/>
+        </a:xfrm>
+      </p:grpSpPr>
+      <p:sp>
+        <p:nvSpPr>
+          <p:cNvPr id="2" name="标题 1"/>
+          <p:cNvSpPr>
+            <a:spLocks noGrp="1"/>
+          </p:cNvSpPr>
+          <p:nvPr>
+            <p:ph type="title"/>
+          </p:nvPr>
+        </p:nvSpPr>
+        <p:spPr/>
+        <p:txBody>
+          <a:bodyPr/>
+          <a:lstStyle/>
+          <a:p>
+            <a:pPr marL="0" lvl="1" indent="0"/>
+            <a:r>
+              <a:rPr lang="en-US" altLang="zh-CN" dirty="0">
+                <a:ea typeface="宋体" panose="02010600030101010101" pitchFamily="2" charset="-122"/>
+              </a:rPr>
+              <a:t>Model </a:t>
+            </a:r>
+            <a:r>
+              <a:rPr lang="en-US" altLang="zh-CN" dirty="0" smtClean="0">
+                <a:ea typeface="宋体" panose="02010600030101010101" pitchFamily="2" charset="-122"/>
+              </a:rPr>
+              <a:t>Training</a:t>
+            </a:r>
+            <a:endParaRPr lang="zh-CN" altLang="en-US" dirty="0"/>
+          </a:p>
+        </p:txBody>
+      </p:sp>
+      <p:sp>
+        <p:nvSpPr>
+          <p:cNvPr id="3" name="内容占位符 2"/>
+          <p:cNvSpPr>
+            <a:spLocks noGrp="1"/>
+          </p:cNvSpPr>
+          <p:nvPr>
+            <p:ph idx="1"/>
+          </p:nvPr>
+        </p:nvSpPr>
+        <p:spPr/>
+        <p:txBody>
+          <a:bodyPr/>
+          <a:lstStyle/>
+          <a:p>
+            <a:pPr marL="914400" lvl="2" indent="0"/>
+            <a:endParaRPr lang="en-US" altLang="zh-CN" dirty="0"/>
+          </a:p>
+          <a:p>
+            <a:pPr marL="914400" lvl="2" indent="0"/>
+            <a:r>
+              <a:rPr lang="en-US" altLang="zh-CN" dirty="0"/>
+              <a:t>4 Memory System Optimizations</a:t>
+            </a:r>
+            <a:endParaRPr lang="en-US" altLang="zh-CN" dirty="0" smtClean="0"/>
+          </a:p>
+          <a:p>
+            <a:pPr marL="1257300" lvl="2" indent="-342900">
+              <a:buFont typeface="Arial" panose="020B0604020202020204" pitchFamily="34" charset="0"/>
+              <a:buChar char="•"/>
+            </a:pPr>
+            <a:r>
+              <a:rPr lang="en-US" altLang="zh-CN" dirty="0"/>
+              <a:t>L3 cache </a:t>
+            </a:r>
+            <a:r>
+              <a:rPr lang="zh-CN" altLang="en-US" dirty="0"/>
+              <a:t>充分利用浮点数 </a:t>
+            </a:r>
+            <a:endParaRPr lang="en-US" altLang="zh-CN" dirty="0"/>
+          </a:p>
+          <a:p>
+            <a:pPr marL="1257300" lvl="2" indent="-342900">
+              <a:buFont typeface="Arial" panose="020B0604020202020204" pitchFamily="34" charset="0"/>
+              <a:buChar char="•"/>
+            </a:pPr>
+            <a:r>
+              <a:rPr lang="en-US" altLang="zh-CN" dirty="0" smtClean="0"/>
+              <a:t>cache </a:t>
+            </a:r>
+            <a:r>
+              <a:rPr lang="en-US" altLang="zh-CN" dirty="0"/>
+              <a:t>locality</a:t>
+            </a:r>
+            <a:r>
+              <a:rPr lang="zh-CN" altLang="en-US" dirty="0"/>
+              <a:t>优化。</a:t>
+            </a:r>
+            <a:r>
+              <a:rPr lang="en-US" altLang="zh-CN" dirty="0"/>
+              <a:t>two custom hand-tuned assembly kernels</a:t>
+            </a:r>
+            <a:r>
+              <a:rPr lang="zh-CN" altLang="en-US" dirty="0"/>
+              <a:t>来适应不同的数据结构</a:t>
+            </a:r>
+          </a:p>
+          <a:p>
+            <a:pPr marL="914400" lvl="2" indent="0"/>
+            <a:r>
+              <a:rPr lang="en-US" altLang="zh-CN" dirty="0"/>
+              <a:t>5 Mitigating the Impact of Slow Machines</a:t>
+            </a:r>
+            <a:endParaRPr lang="en-US" altLang="zh-CN" dirty="0" smtClean="0"/>
+          </a:p>
+          <a:p>
+            <a:pPr marL="1257300" lvl="2" indent="-342900">
+              <a:buFont typeface="Arial" panose="020B0604020202020204" pitchFamily="34" charset="0"/>
+              <a:buChar char="•"/>
+            </a:pPr>
+            <a:r>
+              <a:rPr lang="en-US" altLang="zh-CN" dirty="0" smtClean="0"/>
+              <a:t>fast </a:t>
+            </a:r>
+            <a:r>
+              <a:rPr lang="en-US" altLang="zh-CN" dirty="0"/>
+              <a:t>machines</a:t>
+            </a:r>
+            <a:r>
+              <a:rPr lang="zh-CN" altLang="en-US" dirty="0"/>
+              <a:t>多线程处理多图片</a:t>
+            </a:r>
+          </a:p>
+          <a:p>
+            <a:pPr marL="1257300" lvl="2" indent="-342900">
+              <a:buFont typeface="Arial" panose="020B0604020202020204" pitchFamily="34" charset="0"/>
+              <a:buChar char="•"/>
+            </a:pPr>
+            <a:r>
+              <a:rPr lang="zh-CN" altLang="en-US" dirty="0" smtClean="0"/>
+              <a:t>在</a:t>
+            </a:r>
+            <a:r>
+              <a:rPr lang="zh-CN" altLang="en-US" dirty="0"/>
+              <a:t>图片处理</a:t>
+            </a:r>
+            <a:r>
+              <a:rPr lang="en-US" altLang="zh-CN" dirty="0"/>
+              <a:t>75%</a:t>
+            </a:r>
+            <a:r>
+              <a:rPr lang="zh-CN" altLang="en-US" dirty="0"/>
+              <a:t>即开始计算</a:t>
+            </a:r>
+            <a:r>
+              <a:rPr lang="en-US" altLang="zh-CN" dirty="0"/>
+              <a:t>prediction </a:t>
+            </a:r>
+            <a:r>
+              <a:rPr lang="en-US" altLang="zh-CN" dirty="0" smtClean="0"/>
+              <a:t>error</a:t>
+            </a:r>
+            <a:endParaRPr lang="en-US" altLang="zh-CN" dirty="0"/>
+          </a:p>
+        </p:txBody>
+      </p:sp>
+    </p:spTree>
+    <p:extLst>
+      <p:ext uri="{BB962C8B-B14F-4D97-AF65-F5344CB8AC3E}">
+        <p14:creationId xmlns:p14="http://schemas.microsoft.com/office/powerpoint/2010/main" val="2118891031"/>
+      </p:ext>
+    </p:extLst>
+  </p:cSld>
+  <p:clrMapOvr>
+    <a:masterClrMapping/>
+  </p:clrMapOvr>
+</p:sld>
+</file>
+
+<file path=ppt/slides/slide8.xml><?xml version="1.0" encoding="utf-8"?>
+<p:sld xmlns:a="http://schemas.openxmlformats.org/drawingml/2006/main" xmlns:r="http://schemas.openxmlformats.org/officeDocument/2006/relationships" xmlns:p="http://schemas.openxmlformats.org/presentationml/2006/main">
+  <p:cSld>
+    <p:spTree>
+      <p:nvGrpSpPr>
+        <p:cNvPr id="1" name=""/>
+        <p:cNvGrpSpPr/>
+        <p:nvPr/>
+      </p:nvGrpSpPr>
+      <p:grpSpPr>
+        <a:xfrm>
+          <a:off x="0" y="0"/>
+          <a:ext cx="0" cy="0"/>
+          <a:chOff x="0" y="0"/>
+          <a:chExt cx="0" cy="0"/>
+        </a:xfrm>
+      </p:grpSpPr>
+      <p:sp>
+        <p:nvSpPr>
+          <p:cNvPr id="2" name="标题 1"/>
+          <p:cNvSpPr>
+            <a:spLocks noGrp="1"/>
+          </p:cNvSpPr>
+          <p:nvPr>
+            <p:ph type="title"/>
+          </p:nvPr>
+        </p:nvSpPr>
+        <p:spPr/>
+        <p:txBody>
+          <a:bodyPr/>
+          <a:lstStyle/>
+          <a:p>
+            <a:pPr marL="0" lvl="1" indent="0"/>
+            <a:r>
+              <a:rPr lang="en-US" altLang="zh-CN" dirty="0">
+                <a:ea typeface="宋体" panose="02010600030101010101" pitchFamily="2" charset="-122"/>
+              </a:rPr>
+              <a:t>Model </a:t>
+            </a:r>
+            <a:r>
+              <a:rPr lang="en-US" altLang="zh-CN" dirty="0" smtClean="0">
+                <a:ea typeface="宋体" panose="02010600030101010101" pitchFamily="2" charset="-122"/>
+              </a:rPr>
+              <a:t>Training</a:t>
+            </a:r>
+            <a:endParaRPr lang="zh-CN" altLang="en-US" dirty="0"/>
+          </a:p>
+        </p:txBody>
+      </p:sp>
+      <p:sp>
+        <p:nvSpPr>
+          <p:cNvPr id="3" name="内容占位符 2"/>
+          <p:cNvSpPr>
+            <a:spLocks noGrp="1"/>
+          </p:cNvSpPr>
+          <p:nvPr>
+            <p:ph idx="1"/>
+          </p:nvPr>
+        </p:nvSpPr>
+        <p:spPr/>
+        <p:txBody>
+          <a:bodyPr/>
+          <a:lstStyle/>
+          <a:p>
+            <a:pPr marL="914400" lvl="2" indent="0"/>
+            <a:r>
+              <a:rPr lang="en-US" altLang="zh-CN" dirty="0" smtClean="0"/>
+              <a:t>6  Parameter Server Communication</a:t>
+            </a:r>
+          </a:p>
+          <a:p>
+            <a:pPr marL="914400" lvl="2" indent="0"/>
+            <a:r>
+              <a:rPr lang="zh-CN" altLang="en-US" dirty="0" smtClean="0"/>
+              <a:t>两套协议</a:t>
+            </a:r>
+          </a:p>
+          <a:p>
+            <a:pPr marL="1257300" lvl="2" indent="-342900">
+              <a:buFont typeface="Arial" panose="020B0604020202020204" pitchFamily="34" charset="0"/>
+              <a:buChar char="•"/>
+            </a:pPr>
+            <a:r>
+              <a:rPr lang="zh-CN" altLang="en-US" dirty="0" smtClean="0"/>
+              <a:t>卷积层</a:t>
+            </a:r>
+            <a:r>
+              <a:rPr lang="en-US" altLang="zh-CN" dirty="0" smtClean="0"/>
+              <a:t>: model training machines</a:t>
+            </a:r>
+            <a:r>
+              <a:rPr lang="zh-CN" altLang="en-US" dirty="0" smtClean="0"/>
+              <a:t>计算</a:t>
+            </a:r>
+            <a:r>
+              <a:rPr lang="en-US" altLang="zh-CN" dirty="0" smtClean="0"/>
+              <a:t>weight updates </a:t>
+            </a:r>
+            <a:r>
+              <a:rPr lang="zh-CN" altLang="en-US" dirty="0" smtClean="0"/>
+              <a:t>周期性更新到</a:t>
+            </a:r>
+            <a:r>
+              <a:rPr lang="en-US" altLang="zh-CN" dirty="0" smtClean="0"/>
+              <a:t>parameter server</a:t>
+            </a:r>
+          </a:p>
+          <a:p>
+            <a:pPr marL="1257300" lvl="2" indent="-342900">
+              <a:buFont typeface="Arial" panose="020B0604020202020204" pitchFamily="34" charset="0"/>
+              <a:buChar char="•"/>
+            </a:pPr>
+            <a:r>
+              <a:rPr lang="zh-CN" altLang="en-US" dirty="0" smtClean="0"/>
+              <a:t>全连接：</a:t>
+            </a:r>
+            <a:r>
+              <a:rPr lang="en-US" altLang="zh-CN" dirty="0" smtClean="0"/>
+              <a:t>send the activation and error gradient vectors</a:t>
+            </a:r>
+            <a:r>
+              <a:rPr lang="zh-CN" altLang="en-US" dirty="0" smtClean="0"/>
+              <a:t>，把计算从</a:t>
+            </a:r>
+            <a:r>
+              <a:rPr lang="en-US" altLang="zh-CN" dirty="0" smtClean="0"/>
+              <a:t>model training machines </a:t>
+            </a:r>
+            <a:r>
+              <a:rPr lang="zh-CN" altLang="en-US" dirty="0" smtClean="0"/>
+              <a:t>移到</a:t>
+            </a:r>
+            <a:r>
+              <a:rPr lang="en-US" altLang="zh-CN" dirty="0" smtClean="0"/>
+              <a:t>parameter server</a:t>
+            </a:r>
+            <a:r>
+              <a:rPr lang="zh-CN" altLang="en-US" dirty="0" smtClean="0"/>
+              <a:t>，并提高了</a:t>
+            </a:r>
+            <a:r>
+              <a:rPr lang="en-US" altLang="zh-CN" dirty="0" smtClean="0"/>
+              <a:t>scaling</a:t>
+            </a:r>
+            <a:endParaRPr lang="en-US" altLang="zh-CN" dirty="0" smtClean="0">
+              <a:ea typeface="宋体" panose="02010600030101010101" pitchFamily="2" charset="-122"/>
+            </a:endParaRPr>
+          </a:p>
+          <a:p>
+            <a:endParaRPr lang="zh-CN" altLang="en-US" dirty="0"/>
+          </a:p>
+        </p:txBody>
+      </p:sp>
+    </p:spTree>
+    <p:extLst>
+      <p:ext uri="{BB962C8B-B14F-4D97-AF65-F5344CB8AC3E}">
+        <p14:creationId xmlns:p14="http://schemas.microsoft.com/office/powerpoint/2010/main" val="2248295521"/>
+      </p:ext>
+    </p:extLst>
+  </p:cSld>
+  <p:clrMapOvr>
+    <a:masterClrMapping/>
+  </p:clrMapOvr>
+</p:sld>
+</file>
+
+<file path=ppt/slides/slide9.xml><?xml version="1.0" encoding="utf-8"?>
+<p:sld xmlns:a="http://schemas.openxmlformats.org/drawingml/2006/main" xmlns:r="http://schemas.openxmlformats.org/officeDocument/2006/relationships" xmlns:p="http://schemas.openxmlformats.org/presentationml/2006/main">
+  <p:cSld>
+    <p:spTree>
+      <p:nvGrpSpPr>
+        <p:cNvPr id="1" name=""/>
+        <p:cNvGrpSpPr/>
+        <p:nvPr/>
+      </p:nvGrpSpPr>
+      <p:grpSpPr>
+        <a:xfrm>
+          <a:off x="0" y="0"/>
+          <a:ext cx="0" cy="0"/>
+          <a:chOff x="0" y="0"/>
+          <a:chExt cx="0" cy="0"/>
+        </a:xfrm>
+      </p:grpSpPr>
+      <p:sp>
+        <p:nvSpPr>
+          <p:cNvPr id="2" name="标题 1"/>
+          <p:cNvSpPr>
+            <a:spLocks noGrp="1"/>
+          </p:cNvSpPr>
+          <p:nvPr>
+            <p:ph type="title"/>
+          </p:nvPr>
+        </p:nvSpPr>
+        <p:spPr/>
+        <p:txBody>
+          <a:bodyPr/>
+          <a:lstStyle/>
+          <a:p>
+            <a:pPr lvl="2"/>
+            <a:r>
+              <a:rPr lang="en-US" altLang="zh-CN" dirty="0" smtClean="0">
+                <a:ea typeface="宋体" panose="02010600030101010101" pitchFamily="2" charset="-122"/>
+              </a:rPr>
+              <a:t>Global </a:t>
+            </a:r>
+            <a:r>
+              <a:rPr lang="en-US" altLang="zh-CN" dirty="0">
+                <a:ea typeface="宋体" panose="02010600030101010101" pitchFamily="2" charset="-122"/>
+              </a:rPr>
+              <a:t>Parameter </a:t>
+            </a:r>
+            <a:r>
+              <a:rPr lang="en-US" altLang="zh-CN" dirty="0" smtClean="0">
+                <a:ea typeface="宋体" panose="02010600030101010101" pitchFamily="2" charset="-122"/>
+              </a:rPr>
+              <a:t>Server</a:t>
+            </a:r>
+            <a:endParaRPr lang="zh-CN" altLang="en-US" dirty="0"/>
+          </a:p>
+        </p:txBody>
+      </p:sp>
+      <p:sp>
+        <p:nvSpPr>
+          <p:cNvPr id="3" name="内容占位符 2"/>
+          <p:cNvSpPr>
+            <a:spLocks noGrp="1"/>
+          </p:cNvSpPr>
+          <p:nvPr>
+            <p:ph idx="1"/>
+          </p:nvPr>
+        </p:nvSpPr>
+        <p:spPr/>
+        <p:txBody>
+          <a:bodyPr/>
+          <a:lstStyle/>
+          <a:p>
+            <a:pPr marL="914400" lvl="2" indent="0"/>
+            <a:r>
+              <a:rPr lang="en-US" altLang="zh-CN" dirty="0"/>
+              <a:t>1 Throughput Optimizations</a:t>
+            </a:r>
+          </a:p>
+          <a:p>
+            <a:pPr marL="914400" lvl="2" indent="0"/>
+            <a:r>
+              <a:rPr lang="en-US" altLang="zh-CN" dirty="0"/>
+              <a:t>2 Delayed Persistence</a:t>
+            </a:r>
+          </a:p>
+          <a:p>
+            <a:pPr marL="914400" lvl="2" indent="0"/>
+            <a:r>
+              <a:rPr lang="en-US" altLang="zh-CN" dirty="0"/>
+              <a:t>3 Fault Tolerant Operation</a:t>
+            </a:r>
+          </a:p>
+        </p:txBody>
+      </p:sp>
+    </p:spTree>
+    <p:extLst>
+      <p:ext uri="{BB962C8B-B14F-4D97-AF65-F5344CB8AC3E}">
+        <p14:creationId xmlns:p14="http://schemas.microsoft.com/office/powerpoint/2010/main" val="1463290357"/>
       </p:ext>
     </p:extLst>
   </p:cSld>
